--- a/Tutorial_material/20191101/20191101.pptx
+++ b/Tutorial_material/20191101/20191101.pptx
@@ -283,7 +283,7 @@
           <a:p>
             <a:fld id="{D9E75B6F-F136-4CF3-A7D5-8468B5E5BE9B}" type="datetimeFigureOut">
               <a:rPr lang="zh-CN" altLang="en-US" smtClean="0"/>
-              <a:t>2019/10/31</a:t>
+              <a:t>2019/11/1</a:t>
             </a:fld>
             <a:endParaRPr lang="zh-CN" altLang="en-US"/>
           </a:p>
@@ -481,7 +481,7 @@
           <a:p>
             <a:fld id="{D9E75B6F-F136-4CF3-A7D5-8468B5E5BE9B}" type="datetimeFigureOut">
               <a:rPr lang="zh-CN" altLang="en-US" smtClean="0"/>
-              <a:t>2019/10/31</a:t>
+              <a:t>2019/11/1</a:t>
             </a:fld>
             <a:endParaRPr lang="zh-CN" altLang="en-US"/>
           </a:p>
@@ -689,7 +689,7 @@
           <a:p>
             <a:fld id="{D9E75B6F-F136-4CF3-A7D5-8468B5E5BE9B}" type="datetimeFigureOut">
               <a:rPr lang="zh-CN" altLang="en-US" smtClean="0"/>
-              <a:t>2019/10/31</a:t>
+              <a:t>2019/11/1</a:t>
             </a:fld>
             <a:endParaRPr lang="zh-CN" altLang="en-US"/>
           </a:p>
@@ -887,7 +887,7 @@
           <a:p>
             <a:fld id="{D9E75B6F-F136-4CF3-A7D5-8468B5E5BE9B}" type="datetimeFigureOut">
               <a:rPr lang="zh-CN" altLang="en-US" smtClean="0"/>
-              <a:t>2019/10/31</a:t>
+              <a:t>2019/11/1</a:t>
             </a:fld>
             <a:endParaRPr lang="zh-CN" altLang="en-US"/>
           </a:p>
@@ -1162,7 +1162,7 @@
           <a:p>
             <a:fld id="{D9E75B6F-F136-4CF3-A7D5-8468B5E5BE9B}" type="datetimeFigureOut">
               <a:rPr lang="zh-CN" altLang="en-US" smtClean="0"/>
-              <a:t>2019/10/31</a:t>
+              <a:t>2019/11/1</a:t>
             </a:fld>
             <a:endParaRPr lang="zh-CN" altLang="en-US"/>
           </a:p>
@@ -1427,7 +1427,7 @@
           <a:p>
             <a:fld id="{D9E75B6F-F136-4CF3-A7D5-8468B5E5BE9B}" type="datetimeFigureOut">
               <a:rPr lang="zh-CN" altLang="en-US" smtClean="0"/>
-              <a:t>2019/10/31</a:t>
+              <a:t>2019/11/1</a:t>
             </a:fld>
             <a:endParaRPr lang="zh-CN" altLang="en-US"/>
           </a:p>
@@ -1839,7 +1839,7 @@
           <a:p>
             <a:fld id="{D9E75B6F-F136-4CF3-A7D5-8468B5E5BE9B}" type="datetimeFigureOut">
               <a:rPr lang="zh-CN" altLang="en-US" smtClean="0"/>
-              <a:t>2019/10/31</a:t>
+              <a:t>2019/11/1</a:t>
             </a:fld>
             <a:endParaRPr lang="zh-CN" altLang="en-US"/>
           </a:p>
@@ -1980,7 +1980,7 @@
           <a:p>
             <a:fld id="{D9E75B6F-F136-4CF3-A7D5-8468B5E5BE9B}" type="datetimeFigureOut">
               <a:rPr lang="zh-CN" altLang="en-US" smtClean="0"/>
-              <a:t>2019/10/31</a:t>
+              <a:t>2019/11/1</a:t>
             </a:fld>
             <a:endParaRPr lang="zh-CN" altLang="en-US"/>
           </a:p>
@@ -2093,7 +2093,7 @@
           <a:p>
             <a:fld id="{D9E75B6F-F136-4CF3-A7D5-8468B5E5BE9B}" type="datetimeFigureOut">
               <a:rPr lang="zh-CN" altLang="en-US" smtClean="0"/>
-              <a:t>2019/10/31</a:t>
+              <a:t>2019/11/1</a:t>
             </a:fld>
             <a:endParaRPr lang="zh-CN" altLang="en-US"/>
           </a:p>
@@ -2404,7 +2404,7 @@
           <a:p>
             <a:fld id="{D9E75B6F-F136-4CF3-A7D5-8468B5E5BE9B}" type="datetimeFigureOut">
               <a:rPr lang="zh-CN" altLang="en-US" smtClean="0"/>
-              <a:t>2019/10/31</a:t>
+              <a:t>2019/11/1</a:t>
             </a:fld>
             <a:endParaRPr lang="zh-CN" altLang="en-US"/>
           </a:p>
@@ -2692,7 +2692,7 @@
           <a:p>
             <a:fld id="{D9E75B6F-F136-4CF3-A7D5-8468B5E5BE9B}" type="datetimeFigureOut">
               <a:rPr lang="zh-CN" altLang="en-US" smtClean="0"/>
-              <a:t>2019/10/31</a:t>
+              <a:t>2019/11/1</a:t>
             </a:fld>
             <a:endParaRPr lang="zh-CN" altLang="en-US"/>
           </a:p>
@@ -2933,7 +2933,7 @@
           <a:p>
             <a:fld id="{D9E75B6F-F136-4CF3-A7D5-8468B5E5BE9B}" type="datetimeFigureOut">
               <a:rPr lang="zh-CN" altLang="en-US" smtClean="0"/>
-              <a:t>2019/10/31</a:t>
+              <a:t>2019/11/1</a:t>
             </a:fld>
             <a:endParaRPr lang="zh-CN" altLang="en-US"/>
           </a:p>
@@ -3621,8 +3621,8 @@
           </a:p>
         </p:txBody>
       </p:sp>
-      <mc:AlternateContent xmlns:mc="http://schemas.openxmlformats.org/markup-compatibility/2006">
-        <mc:Choice xmlns:a14="http://schemas.microsoft.com/office/drawing/2010/main" Requires="a14">
+      <mc:AlternateContent xmlns:mc="http://schemas.openxmlformats.org/markup-compatibility/2006" xmlns:a14="http://schemas.microsoft.com/office/drawing/2010/main">
+        <mc:Choice Requires="a14">
           <p:sp>
             <p:nvSpPr>
               <p:cNvPr id="4" name="文本框 3">
@@ -3678,7 +3678,7 @@
             </p:txBody>
           </p:sp>
         </mc:Choice>
-        <mc:Fallback>
+        <mc:Fallback xmlns="">
           <p:sp>
             <p:nvSpPr>
               <p:cNvPr id="4" name="文本框 3">
@@ -3723,8 +3723,8 @@
           </p:sp>
         </mc:Fallback>
       </mc:AlternateContent>
-      <mc:AlternateContent xmlns:mc="http://schemas.openxmlformats.org/markup-compatibility/2006">
-        <mc:Choice xmlns:a14="http://schemas.microsoft.com/office/drawing/2010/main" Requires="a14">
+      <mc:AlternateContent xmlns:mc="http://schemas.openxmlformats.org/markup-compatibility/2006" xmlns:a14="http://schemas.microsoft.com/office/drawing/2010/main">
+        <mc:Choice Requires="a14">
           <p:sp>
             <p:nvSpPr>
               <p:cNvPr id="5" name="文本框 4">
@@ -3753,6 +3753,7 @@
               </a:bodyPr>
               <a:lstStyle/>
               <a:p>
+                <a:pPr/>
                 <a14:m>
                   <m:oMathPara xmlns:m="http://schemas.openxmlformats.org/officeDocument/2006/math">
                     <m:oMathParaPr>
@@ -3785,7 +3786,7 @@
             </p:txBody>
           </p:sp>
         </mc:Choice>
-        <mc:Fallback>
+        <mc:Fallback xmlns="">
           <p:sp>
             <p:nvSpPr>
               <p:cNvPr id="5" name="文本框 4">
@@ -3949,8 +3950,8 @@
           </a:p>
         </p:txBody>
       </p:sp>
-      <mc:AlternateContent xmlns:mc="http://schemas.openxmlformats.org/markup-compatibility/2006">
-        <mc:Choice xmlns:a14="http://schemas.microsoft.com/office/drawing/2010/main" Requires="a14">
+      <mc:AlternateContent xmlns:mc="http://schemas.openxmlformats.org/markup-compatibility/2006" xmlns:a14="http://schemas.microsoft.com/office/drawing/2010/main">
+        <mc:Choice Requires="a14">
           <p:sp>
             <p:nvSpPr>
               <p:cNvPr id="6" name="Content Placeholder 2">
@@ -4725,7 +4726,7 @@
             </p:txBody>
           </p:sp>
         </mc:Choice>
-        <mc:Fallback>
+        <mc:Fallback xmlns="">
           <p:sp>
             <p:nvSpPr>
               <p:cNvPr id="6" name="Content Placeholder 2">
@@ -5109,7 +5110,7 @@
           <a:graphicData uri="http://schemas.openxmlformats.org/presentationml/2006/ole">
             <mc:AlternateContent xmlns:mc="http://schemas.openxmlformats.org/markup-compatibility/2006">
               <mc:Choice xmlns:v="urn:schemas-microsoft-com:vml" Requires="v">
-                <p:oleObj spid="_x0000_s1034" name="AxMath" r:id="rId3" imgW="2161080" imgH="485280" progId="Equation.AxMath">
+                <p:oleObj spid="_x0000_s1035" name="AxMath" r:id="rId3" imgW="2161080" imgH="485280" progId="Equation.AxMath">
                   <p:embed/>
                 </p:oleObj>
               </mc:Choice>
@@ -5198,7 +5199,15 @@
           <a:p>
             <a:r>
               <a:rPr lang="en-US" altLang="zh-CN" sz="2400" dirty="0"/>
-              <a:t>    3. Increasing one pair of columns or rows in a matrix cause its determinant change sign once.</a:t>
+              <a:t>    3. </a:t>
+            </a:r>
+            <a:r>
+              <a:rPr lang="en-US" altLang="zh-CN" sz="2400"/>
+              <a:t>Interchanging </a:t>
+            </a:r>
+            <a:r>
+              <a:rPr lang="en-US" altLang="zh-CN" sz="2400" dirty="0"/>
+              <a:t>one pair of columns or rows in a matrix cause its determinant change sign once.</a:t>
             </a:r>
             <a:endParaRPr lang="zh-CN" altLang="en-US" sz="2400" dirty="0"/>
           </a:p>
@@ -6255,7 +6264,7 @@
           <a:graphicData uri="http://schemas.openxmlformats.org/presentationml/2006/ole">
             <mc:AlternateContent xmlns:mc="http://schemas.openxmlformats.org/markup-compatibility/2006">
               <mc:Choice xmlns:v="urn:schemas-microsoft-com:vml" Requires="v">
-                <p:oleObj spid="_x0000_s2060" name="AxMath" r:id="rId3" imgW="1535040" imgH="786600" progId="Equation.AxMath">
+                <p:oleObj spid="_x0000_s2062" name="AxMath" r:id="rId3" imgW="1535040" imgH="786600" progId="Equation.AxMath">
                   <p:embed/>
                 </p:oleObj>
               </mc:Choice>
@@ -6390,7 +6399,7 @@
           <a:graphicData uri="http://schemas.openxmlformats.org/presentationml/2006/ole">
             <mc:AlternateContent xmlns:mc="http://schemas.openxmlformats.org/markup-compatibility/2006">
               <mc:Choice xmlns:v="urn:schemas-microsoft-com:vml" Requires="v">
-                <p:oleObj spid="_x0000_s2061" name="AxMath" r:id="rId5" imgW="1711440" imgH="664920" progId="Equation.AxMath">
+                <p:oleObj spid="_x0000_s2063" name="AxMath" r:id="rId5" imgW="1711440" imgH="664920" progId="Equation.AxMath">
                   <p:embed/>
                 </p:oleObj>
               </mc:Choice>

--- a/Tutorial_material/20191101/20191101.pptx
+++ b/Tutorial_material/20191101/20191101.pptx
@@ -3465,7 +3465,7 @@
           <a:p>
             <a:r>
               <a:rPr lang="en-US" altLang="zh-CN" dirty="0"/>
-              <a:t>20191030</a:t>
+              <a:t>20191101</a:t>
             </a:r>
             <a:endParaRPr lang="zh-CN" altLang="en-US" dirty="0"/>
           </a:p>
@@ -3621,108 +3621,50 @@
           </a:p>
         </p:txBody>
       </p:sp>
-      <mc:AlternateContent xmlns:mc="http://schemas.openxmlformats.org/markup-compatibility/2006" xmlns:a14="http://schemas.microsoft.com/office/drawing/2010/main">
-        <mc:Choice Requires="a14">
-          <p:sp>
-            <p:nvSpPr>
-              <p:cNvPr id="4" name="文本框 3">
-                <a:extLst>
-                  <a:ext uri="{FF2B5EF4-FFF2-40B4-BE49-F238E27FC236}">
-                    <a16:creationId xmlns:a16="http://schemas.microsoft.com/office/drawing/2014/main" id="{76DAB0C6-A83D-4263-A62F-2E66F9848B8B}"/>
-                  </a:ext>
-                </a:extLst>
-              </p:cNvPr>
-              <p:cNvSpPr txBox="1"/>
-              <p:nvPr/>
-            </p:nvSpPr>
-            <p:spPr>
-              <a:xfrm>
-                <a:off x="838200" y="1819922"/>
-                <a:ext cx="8980503" cy="1384995"/>
-              </a:xfrm>
-              <a:prstGeom prst="rect">
-                <a:avLst/>
-              </a:prstGeom>
-              <a:noFill/>
-            </p:spPr>
-            <p:txBody>
-              <a:bodyPr wrap="square" rtlCol="0">
-                <a:spAutoFit/>
-              </a:bodyPr>
-              <a:lstStyle/>
-              <a:p>
-                <a:r>
-                  <a:rPr lang="en-US" altLang="zh-CN" sz="2800" dirty="0"/>
-                  <a:t>Decompose a matrix as the product of a lower triangular matrix and an upper triangular matrix. LU decomposition can be </a:t>
-                </a:r>
-                <a:r>
-                  <a:rPr lang="en-US" altLang="zh-CN" sz="2800" dirty="0" err="1"/>
-                  <a:t>viewe</a:t>
-                </a:r>
-                <a:r>
-                  <a:rPr lang="en-US" altLang="zh-CN" sz="2800" dirty="0"/>
-                  <a:t> as the matrix form of Gaussian elimination.</a:t>
-                </a:r>
-                <a14:m>
-                  <m:oMath xmlns:m="http://schemas.openxmlformats.org/officeDocument/2006/math">
-                    <m:r>
-                      <a:rPr lang="en-US" altLang="zh-CN" sz="2800" b="0" i="1" smtClean="0">
-                        <a:latin typeface="Cambria Math" panose="02040503050406030204" pitchFamily="18" charset="0"/>
-                      </a:rPr>
-                      <m:t>𝑧</m:t>
-                    </m:r>
-                  </m:oMath>
-                </a14:m>
-                <a:endParaRPr lang="zh-CN" altLang="en-US" sz="2800" dirty="0"/>
-              </a:p>
-            </p:txBody>
-          </p:sp>
-        </mc:Choice>
-        <mc:Fallback xmlns="">
-          <p:sp>
-            <p:nvSpPr>
-              <p:cNvPr id="4" name="文本框 3">
-                <a:extLst>
-                  <a:ext uri="{FF2B5EF4-FFF2-40B4-BE49-F238E27FC236}">
-                    <a16:creationId xmlns:a16="http://schemas.microsoft.com/office/drawing/2014/main" id="{76DAB0C6-A83D-4263-A62F-2E66F9848B8B}"/>
-                  </a:ext>
-                </a:extLst>
-              </p:cNvPr>
-              <p:cNvSpPr txBox="1">
-                <a:spLocks noRot="1" noChangeAspect="1" noMove="1" noResize="1" noEditPoints="1" noAdjustHandles="1" noChangeArrowheads="1" noChangeShapeType="1" noTextEdit="1"/>
-              </p:cNvSpPr>
-              <p:nvPr/>
-            </p:nvSpPr>
-            <p:spPr>
-              <a:xfrm>
-                <a:off x="838200" y="1819922"/>
-                <a:ext cx="8980503" cy="1384995"/>
-              </a:xfrm>
-              <a:prstGeom prst="rect">
-                <a:avLst/>
-              </a:prstGeom>
-              <a:blipFill>
-                <a:blip r:embed="rId2"/>
-                <a:stretch>
-                  <a:fillRect l="-1426" t="-5286" r="-747" b="-11454"/>
-                </a:stretch>
-              </a:blipFill>
-            </p:spPr>
-            <p:txBody>
-              <a:bodyPr/>
-              <a:lstStyle/>
-              <a:p>
-                <a:r>
-                  <a:rPr lang="zh-CN" altLang="en-US">
-                    <a:noFill/>
-                  </a:rPr>
-                  <a:t> </a:t>
-                </a:r>
-              </a:p>
-            </p:txBody>
-          </p:sp>
-        </mc:Fallback>
-      </mc:AlternateContent>
+      <p:sp>
+        <p:nvSpPr>
+          <p:cNvPr id="4" name="文本框 3">
+            <a:extLst>
+              <a:ext uri="{FF2B5EF4-FFF2-40B4-BE49-F238E27FC236}">
+                <a16:creationId xmlns:a16="http://schemas.microsoft.com/office/drawing/2014/main" id="{76DAB0C6-A83D-4263-A62F-2E66F9848B8B}"/>
+              </a:ext>
+            </a:extLst>
+          </p:cNvPr>
+          <p:cNvSpPr txBox="1"/>
+          <p:nvPr/>
+        </p:nvSpPr>
+        <p:spPr>
+          <a:xfrm>
+            <a:off x="838200" y="1819922"/>
+            <a:ext cx="8980503" cy="1384995"/>
+          </a:xfrm>
+          <a:prstGeom prst="rect">
+            <a:avLst/>
+          </a:prstGeom>
+          <a:noFill/>
+        </p:spPr>
+        <p:txBody>
+          <a:bodyPr wrap="square" rtlCol="0">
+            <a:spAutoFit/>
+          </a:bodyPr>
+          <a:lstStyle/>
+          <a:p>
+            <a:r>
+              <a:rPr lang="en-US" altLang="zh-CN" sz="2800" dirty="0"/>
+              <a:t>Decompose a matrix as the product of a lower triangular matrix and an upper triangular matrix. LU decomposition can be </a:t>
+            </a:r>
+            <a:r>
+              <a:rPr lang="en-US" altLang="zh-CN" sz="2800" dirty="0" err="1"/>
+              <a:t>viewe</a:t>
+            </a:r>
+            <a:r>
+              <a:rPr lang="en-US" altLang="zh-CN" sz="2800" dirty="0"/>
+              <a:t> as the matrix form of Gaussian elimination.</a:t>
+            </a:r>
+            <a:endParaRPr lang="zh-CN" altLang="en-US" sz="2800" dirty="0"/>
+          </a:p>
+        </p:txBody>
+      </p:sp>
       <mc:AlternateContent xmlns:mc="http://schemas.openxmlformats.org/markup-compatibility/2006" xmlns:a14="http://schemas.microsoft.com/office/drawing/2010/main">
         <mc:Choice Requires="a14">
           <p:sp>
@@ -4852,8 +4794,8 @@
         </p:blipFill>
         <p:spPr>
           <a:xfrm>
-            <a:off x="838200" y="1690688"/>
-            <a:ext cx="8658225" cy="4476750"/>
+            <a:off x="838200" y="1689301"/>
+            <a:ext cx="8660907" cy="4478137"/>
           </a:xfrm>
           <a:prstGeom prst="rect">
             <a:avLst/>
@@ -5110,7 +5052,7 @@
           <a:graphicData uri="http://schemas.openxmlformats.org/presentationml/2006/ole">
             <mc:AlternateContent xmlns:mc="http://schemas.openxmlformats.org/markup-compatibility/2006">
               <mc:Choice xmlns:v="urn:schemas-microsoft-com:vml" Requires="v">
-                <p:oleObj spid="_x0000_s1035" name="AxMath" r:id="rId3" imgW="2161080" imgH="485280" progId="Equation.AxMath">
+                <p:oleObj spid="_x0000_s1037" name="AxMath" r:id="rId3" imgW="2161080" imgH="485280" progId="Equation.AxMath">
                   <p:embed/>
                 </p:oleObj>
               </mc:Choice>
@@ -5199,15 +5141,7 @@
           <a:p>
             <a:r>
               <a:rPr lang="en-US" altLang="zh-CN" sz="2400" dirty="0"/>
-              <a:t>    3. </a:t>
-            </a:r>
-            <a:r>
-              <a:rPr lang="en-US" altLang="zh-CN" sz="2400"/>
-              <a:t>Interchanging </a:t>
-            </a:r>
-            <a:r>
-              <a:rPr lang="en-US" altLang="zh-CN" sz="2400" dirty="0"/>
-              <a:t>one pair of columns or rows in a matrix cause its determinant change sign once.</a:t>
+              <a:t>    3. Interchanging one pair of columns or rows in a matrix cause its determinant change sign once.</a:t>
             </a:r>
             <a:endParaRPr lang="zh-CN" altLang="en-US" sz="2400" dirty="0"/>
           </a:p>
@@ -6264,7 +6198,7 @@
           <a:graphicData uri="http://schemas.openxmlformats.org/presentationml/2006/ole">
             <mc:AlternateContent xmlns:mc="http://schemas.openxmlformats.org/markup-compatibility/2006">
               <mc:Choice xmlns:v="urn:schemas-microsoft-com:vml" Requires="v">
-                <p:oleObj spid="_x0000_s2062" name="AxMath" r:id="rId3" imgW="1535040" imgH="786600" progId="Equation.AxMath">
+                <p:oleObj spid="_x0000_s2066" name="AxMath" r:id="rId3" imgW="1535040" imgH="786600" progId="Equation.AxMath">
                   <p:embed/>
                 </p:oleObj>
               </mc:Choice>
@@ -6399,7 +6333,7 @@
           <a:graphicData uri="http://schemas.openxmlformats.org/presentationml/2006/ole">
             <mc:AlternateContent xmlns:mc="http://schemas.openxmlformats.org/markup-compatibility/2006">
               <mc:Choice xmlns:v="urn:schemas-microsoft-com:vml" Requires="v">
-                <p:oleObj spid="_x0000_s2063" name="AxMath" r:id="rId5" imgW="1711440" imgH="664920" progId="Equation.AxMath">
+                <p:oleObj spid="_x0000_s2067" name="AxMath" r:id="rId5" imgW="1711440" imgH="664920" progId="Equation.AxMath">
                   <p:embed/>
                 </p:oleObj>
               </mc:Choice>
